--- a/PSDayUK_dbatools.pptx
+++ b/PSDayUK_dbatools.pptx
@@ -224,7 +224,7 @@
           <a:p>
             <a:fld id="{69440670-43D7-400A-ABC5-B69E064DBB37}" type="datetimeFigureOut">
               <a:rPr lang="en-GB" smtClean="0"/>
-              <a:t>01/03/2023</a:t>
+              <a:t>03/03/2023</a:t>
             </a:fld>
             <a:endParaRPr lang="en-GB"/>
           </a:p>
@@ -401,7 +401,7 @@
           <a:p>
             <a:fld id="{611B03A4-75C9-4E3D-9183-2102CA9AEC33}" type="datetimeFigureOut">
               <a:rPr lang="en-GB" smtClean="0"/>
-              <a:t>01/03/2023</a:t>
+              <a:t>03/03/2023</a:t>
             </a:fld>
             <a:endParaRPr lang="en-GB"/>
           </a:p>
@@ -5063,14 +5063,14 @@
             <a:r>
               <a:rPr lang="fr-FR" b="1" i="1" dirty="0">
                 <a:solidFill>
-                  <a:srgbClr val="00B0F0"/>
+                  <a:schemeClr val="bg1"/>
                 </a:solidFill>
               </a:rPr>
               <a:t>Jess Pomfret</a:t>
             </a:r>
             <a:endParaRPr lang="en-GB" b="1" i="1" dirty="0">
               <a:solidFill>
-                <a:srgbClr val="00B0F0"/>
+                <a:schemeClr val="bg1"/>
               </a:solidFill>
             </a:endParaRPr>
           </a:p>
@@ -5641,7 +5641,7 @@
             <a:r>
               <a:rPr lang="en-US" dirty="0">
                 <a:solidFill>
-                  <a:srgbClr val="00B0F0"/>
+                  <a:schemeClr val="bg1"/>
                 </a:solidFill>
               </a:rPr>
               <a:t>Data Platform Architect</a:t>
@@ -5651,7 +5651,7 @@
             <a:r>
               <a:rPr lang="en-US" dirty="0">
                 <a:solidFill>
-                  <a:srgbClr val="00B0F0"/>
+                  <a:schemeClr val="bg1"/>
                 </a:solidFill>
               </a:rPr>
               <a:t>Open Source Contributor</a:t>
@@ -5662,7 +5662,7 @@
             <a:r>
               <a:rPr lang="en-US" sz="3200" dirty="0" err="1">
                 <a:solidFill>
-                  <a:srgbClr val="00B0F0"/>
+                  <a:schemeClr val="bg1"/>
                 </a:solidFill>
               </a:rPr>
               <a:t>dbatools</a:t>
@@ -5670,7 +5670,7 @@
             <a:r>
               <a:rPr lang="en-US" sz="3200" dirty="0">
                 <a:solidFill>
-                  <a:srgbClr val="00B0F0"/>
+                  <a:schemeClr val="bg1"/>
                 </a:solidFill>
               </a:rPr>
               <a:t>, </a:t>
@@ -5678,7 +5678,7 @@
             <a:r>
               <a:rPr lang="en-US" sz="3200" dirty="0" err="1">
                 <a:solidFill>
-                  <a:srgbClr val="00B0F0"/>
+                  <a:schemeClr val="bg1"/>
                 </a:solidFill>
               </a:rPr>
               <a:t>dbachecks</a:t>
@@ -5686,7 +5686,7 @@
             <a:r>
               <a:rPr lang="en-US" sz="3200" dirty="0">
                 <a:solidFill>
-                  <a:srgbClr val="00B0F0"/>
+                  <a:schemeClr val="bg1"/>
                 </a:solidFill>
               </a:rPr>
               <a:t>, </a:t>
@@ -5694,14 +5694,14 @@
             <a:r>
               <a:rPr lang="en-US" sz="3200" dirty="0" err="1">
                 <a:solidFill>
-                  <a:srgbClr val="00B0F0"/>
+                  <a:schemeClr val="bg1"/>
                 </a:solidFill>
               </a:rPr>
               <a:t>SqlServerDsc</a:t>
             </a:r>
             <a:endParaRPr lang="en-US" sz="3200" dirty="0">
               <a:solidFill>
-                <a:srgbClr val="00B0F0"/>
+                <a:schemeClr val="bg1"/>
               </a:solidFill>
             </a:endParaRPr>
           </a:p>
@@ -5709,7 +5709,7 @@
             <a:r>
               <a:rPr lang="en-US" dirty="0">
                 <a:solidFill>
-                  <a:srgbClr val="00B0F0"/>
+                  <a:schemeClr val="bg1"/>
                 </a:solidFill>
               </a:rPr>
               <a:t>Passionate about SQL Server, PowerShell &amp; Proper Football</a:t>
@@ -5718,7 +5718,7 @@
           <a:p>
             <a:endParaRPr lang="en-US" dirty="0">
               <a:solidFill>
-                <a:srgbClr val="00B0F0"/>
+                <a:schemeClr val="bg1"/>
               </a:solidFill>
             </a:endParaRPr>
           </a:p>
@@ -5726,7 +5726,7 @@
             <a:r>
               <a:rPr lang="en-US" dirty="0">
                 <a:solidFill>
-                  <a:srgbClr val="00B0F0"/>
+                  <a:schemeClr val="bg1"/>
                 </a:solidFill>
                 <a:hlinkClick r:id="rId2">
                   <a:extLst>
@@ -5740,7 +5740,7 @@
             </a:r>
             <a:endParaRPr lang="en-US" dirty="0">
               <a:solidFill>
-                <a:srgbClr val="00B0F0"/>
+                <a:schemeClr val="bg1"/>
               </a:solidFill>
             </a:endParaRPr>
           </a:p>
@@ -5748,7 +5748,7 @@
             <a:r>
               <a:rPr lang="en-US" dirty="0">
                 <a:solidFill>
-                  <a:srgbClr val="00B0F0"/>
+                  <a:schemeClr val="bg1"/>
                 </a:solidFill>
               </a:rPr>
               <a:t>LinkedIn - </a:t>
@@ -5756,14 +5756,14 @@
             <a:r>
               <a:rPr lang="en-US" dirty="0" err="1">
                 <a:solidFill>
-                  <a:srgbClr val="00B0F0"/>
+                  <a:schemeClr val="bg1"/>
                 </a:solidFill>
               </a:rPr>
               <a:t>jpomfret</a:t>
             </a:r>
             <a:endParaRPr lang="en-US" dirty="0">
               <a:solidFill>
-                <a:srgbClr val="00B0F0"/>
+                <a:schemeClr val="bg1"/>
               </a:solidFill>
             </a:endParaRPr>
           </a:p>
@@ -5774,7 +5774,7 @@
             </a:pPr>
             <a:endParaRPr lang="en-US" dirty="0">
               <a:solidFill>
-                <a:srgbClr val="00B0F0"/>
+                <a:schemeClr val="bg1"/>
               </a:solidFill>
             </a:endParaRPr>
           </a:p>
@@ -6184,7 +6184,11 @@
               <a:buAutoNum type="arabicPeriod"/>
             </a:pPr>
             <a:r>
-              <a:rPr lang="en-US" dirty="0"/>
+              <a:rPr lang="en-US" dirty="0">
+                <a:solidFill>
+                  <a:schemeClr val="bg1"/>
+                </a:solidFill>
+              </a:rPr>
               <a:t>Test Your Backups</a:t>
             </a:r>
           </a:p>
@@ -6194,7 +6198,11 @@
               <a:buAutoNum type="arabicPeriod"/>
             </a:pPr>
             <a:r>
-              <a:rPr lang="en-US" dirty="0"/>
+              <a:rPr lang="en-US" dirty="0">
+                <a:solidFill>
+                  <a:schemeClr val="bg1"/>
+                </a:solidFill>
+              </a:rPr>
               <a:t>Manage Logins &amp; Access</a:t>
             </a:r>
           </a:p>
@@ -6204,7 +6212,11 @@
               <a:buAutoNum type="arabicPeriod"/>
             </a:pPr>
             <a:r>
-              <a:rPr lang="en-US" dirty="0"/>
+              <a:rPr lang="en-US" dirty="0">
+                <a:solidFill>
+                  <a:schemeClr val="bg1"/>
+                </a:solidFill>
+              </a:rPr>
               <a:t>Database Snapshots</a:t>
             </a:r>
           </a:p>
@@ -6214,7 +6226,11 @@
               <a:buAutoNum type="arabicPeriod"/>
             </a:pPr>
             <a:r>
-              <a:rPr lang="en-US" dirty="0"/>
+              <a:rPr lang="en-US" dirty="0">
+                <a:solidFill>
+                  <a:schemeClr val="bg1"/>
+                </a:solidFill>
+              </a:rPr>
               <a:t>Migrate… Everything</a:t>
             </a:r>
           </a:p>
@@ -6224,7 +6240,11 @@
               <a:buAutoNum type="arabicPeriod"/>
             </a:pPr>
             <a:r>
-              <a:rPr lang="en-US" dirty="0"/>
+              <a:rPr lang="en-US" dirty="0">
+                <a:solidFill>
+                  <a:schemeClr val="bg1"/>
+                </a:solidFill>
+              </a:rPr>
               <a:t>Meet Best Practices</a:t>
             </a:r>
           </a:p>
@@ -6234,17 +6254,29 @@
               <a:buAutoNum type="arabicPeriod"/>
             </a:pPr>
             <a:r>
-              <a:rPr lang="en-US" dirty="0"/>
+              <a:rPr lang="en-US" dirty="0">
+                <a:solidFill>
+                  <a:schemeClr val="bg1"/>
+                </a:solidFill>
+              </a:rPr>
               <a:t>Documentation for everyone</a:t>
             </a:r>
           </a:p>
           <a:p>
             <a:pPr lvl="1"/>
-            <a:endParaRPr lang="en-US" dirty="0"/>
+            <a:endParaRPr lang="en-US" dirty="0">
+              <a:solidFill>
+                <a:schemeClr val="bg1"/>
+              </a:solidFill>
+            </a:endParaRPr>
           </a:p>
           <a:p>
             <a:pPr lvl="1"/>
-            <a:endParaRPr lang="en-US" dirty="0"/>
+            <a:endParaRPr lang="en-US" dirty="0">
+              <a:solidFill>
+                <a:schemeClr val="bg1"/>
+              </a:solidFill>
+            </a:endParaRPr>
           </a:p>
         </p:txBody>
       </p:sp>
@@ -6346,20 +6378,32 @@
           <a:p>
             <a:pPr lvl="1"/>
             <a:r>
-              <a:rPr lang="en-US" dirty="0"/>
+              <a:rPr lang="en-US" dirty="0">
+                <a:solidFill>
+                  <a:schemeClr val="bg1"/>
+                </a:solidFill>
+              </a:rPr>
               <a:t>Command line SSMS</a:t>
             </a:r>
           </a:p>
           <a:p>
             <a:pPr lvl="1"/>
             <a:r>
-              <a:rPr lang="en-US" dirty="0"/>
+              <a:rPr lang="en-US" dirty="0">
+                <a:solidFill>
+                  <a:schemeClr val="bg1"/>
+                </a:solidFill>
+              </a:rPr>
               <a:t>Great for handling multiples</a:t>
             </a:r>
           </a:p>
           <a:p>
             <a:pPr lvl="1"/>
-            <a:endParaRPr lang="en-US" dirty="0"/>
+            <a:endParaRPr lang="en-US" dirty="0">
+              <a:solidFill>
+                <a:schemeClr val="bg1"/>
+              </a:solidFill>
+            </a:endParaRPr>
           </a:p>
           <a:p>
             <a:r>
@@ -6370,13 +6414,21 @@
           <a:p>
             <a:pPr lvl="1"/>
             <a:r>
-              <a:rPr lang="en-US" dirty="0"/>
+              <a:rPr lang="en-US" dirty="0">
+                <a:solidFill>
+                  <a:schemeClr val="bg1"/>
+                </a:solidFill>
+              </a:rPr>
               <a:t>“A short and simple permissive license”</a:t>
             </a:r>
           </a:p>
           <a:p>
             <a:pPr lvl="1"/>
-            <a:endParaRPr lang="en-US" dirty="0"/>
+            <a:endParaRPr lang="en-US" dirty="0">
+              <a:solidFill>
+                <a:schemeClr val="bg1"/>
+              </a:solidFill>
+            </a:endParaRPr>
           </a:p>
           <a:p>
             <a:r>
@@ -6387,28 +6439,44 @@
           <a:p>
             <a:pPr lvl="1"/>
             <a:r>
-              <a:rPr lang="en-US" dirty="0"/>
+              <a:rPr lang="en-US" dirty="0">
+                <a:solidFill>
+                  <a:schemeClr val="bg1"/>
+                </a:solidFill>
+              </a:rPr>
               <a:t>PowerShell - “Secure by Design”</a:t>
             </a:r>
           </a:p>
           <a:p>
             <a:pPr lvl="1"/>
             <a:r>
-              <a:rPr lang="en-US" dirty="0"/>
+              <a:rPr lang="en-US" dirty="0">
+                <a:solidFill>
+                  <a:schemeClr val="bg1"/>
+                </a:solidFill>
+              </a:rPr>
               <a:t>Code Signed</a:t>
             </a:r>
           </a:p>
           <a:p>
             <a:pPr lvl="1"/>
             <a:r>
-              <a:rPr lang="en-US" dirty="0"/>
+              <a:rPr lang="en-US" dirty="0">
+                <a:solidFill>
+                  <a:schemeClr val="bg1"/>
+                </a:solidFill>
+              </a:rPr>
               <a:t>Pester tests</a:t>
             </a:r>
           </a:p>
           <a:p>
             <a:pPr lvl="1"/>
             <a:r>
-              <a:rPr lang="en-US" dirty="0"/>
+              <a:rPr lang="en-US" dirty="0">
+                <a:solidFill>
+                  <a:schemeClr val="bg1"/>
+                </a:solidFill>
+              </a:rPr>
               <a:t>Branch policies</a:t>
             </a:r>
           </a:p>
@@ -6508,7 +6576,7 @@
         <p:spPr/>
         <p:txBody>
           <a:bodyPr>
-            <a:normAutofit fontScale="77500" lnSpcReduction="20000"/>
+            <a:normAutofit fontScale="85000" lnSpcReduction="20000"/>
           </a:bodyPr>
           <a:lstStyle/>
           <a:p>
@@ -6526,31 +6594,59 @@
             </a:r>
           </a:p>
           <a:p>
-            <a:r>
-              <a:rPr lang="en-US" sz="3600" dirty="0"/>
+            <a:pPr lvl="1"/>
+            <a:r>
+              <a:rPr lang="en-US" dirty="0">
+                <a:solidFill>
+                  <a:schemeClr val="bg1"/>
+                </a:solidFill>
+              </a:rPr>
               <a:t>September 2015 – First commit to GitHub</a:t>
             </a:r>
           </a:p>
           <a:p>
-            <a:r>
-              <a:rPr lang="en-US" sz="3600" dirty="0"/>
+            <a:pPr lvl="1"/>
+            <a:r>
+              <a:rPr lang="en-US" dirty="0">
+                <a:solidFill>
+                  <a:schemeClr val="bg1"/>
+                </a:solidFill>
+              </a:rPr>
               <a:t>June 2019 – 1.0 launch at </a:t>
             </a:r>
             <a:r>
-              <a:rPr lang="en-US" sz="3600" dirty="0" err="1"/>
+              <a:rPr lang="en-US" dirty="0" err="1">
+                <a:solidFill>
+                  <a:schemeClr val="bg1"/>
+                </a:solidFill>
+              </a:rPr>
               <a:t>DataGrillen</a:t>
             </a:r>
-            <a:endParaRPr lang="en-US" sz="3600" dirty="0"/>
-          </a:p>
-          <a:p>
-            <a:r>
-              <a:rPr lang="en-US" sz="3600" dirty="0"/>
+            <a:endParaRPr lang="en-US" dirty="0">
+              <a:solidFill>
+                <a:schemeClr val="bg1"/>
+              </a:solidFill>
+            </a:endParaRPr>
+          </a:p>
+          <a:p>
+            <a:pPr lvl="1"/>
+            <a:r>
+              <a:rPr lang="en-US" dirty="0">
+                <a:solidFill>
+                  <a:schemeClr val="bg1"/>
+                </a:solidFill>
+              </a:rPr>
               <a:t>July 2021 – 1.1 update – SMO, Azure connections</a:t>
             </a:r>
           </a:p>
           <a:p>
-            <a:r>
-              <a:rPr lang="en-US" sz="3600" dirty="0"/>
+            <a:pPr lvl="1"/>
+            <a:r>
+              <a:rPr lang="en-US" dirty="0">
+                <a:solidFill>
+                  <a:schemeClr val="bg1"/>
+                </a:solidFill>
+              </a:rPr>
               <a:t>Coming soon – 2.0 – New SMO, Replication, more!</a:t>
             </a:r>
           </a:p>
@@ -6569,7 +6665,7 @@
           <a:p>
             <a:r>
               <a:rPr lang="en-US" sz="3600" dirty="0"/>
-              <a:t>590 Pester tests1</a:t>
+              <a:t>590 Pester tests</a:t>
             </a:r>
           </a:p>
           <a:p>
